--- a/DBMS_ project review new.pptx
+++ b/DBMS_ project review new.pptx
@@ -453,7 +453,7 @@
           <a:p>
             <a:fld id="{C1446CC2-EC25-4877-9324-8E6B392E2242}" type="datetimeFigureOut">
               <a:rPr lang="en-IN" smtClean="0"/>
-              <a:t>07-08-2022</a:t>
+              <a:t>02-09-2022</a:t>
             </a:fld>
             <a:endParaRPr lang="en-IN"/>
           </a:p>
@@ -777,7 +777,7 @@
           <a:p>
             <a:fld id="{C1446CC2-EC25-4877-9324-8E6B392E2242}" type="datetimeFigureOut">
               <a:rPr lang="en-IN" smtClean="0"/>
-              <a:t>07-08-2022</a:t>
+              <a:t>02-09-2022</a:t>
             </a:fld>
             <a:endParaRPr lang="en-IN"/>
           </a:p>
@@ -1025,7 +1025,7 @@
           <a:p>
             <a:fld id="{C1446CC2-EC25-4877-9324-8E6B392E2242}" type="datetimeFigureOut">
               <a:rPr lang="en-IN" smtClean="0"/>
-              <a:t>07-08-2022</a:t>
+              <a:t>02-09-2022</a:t>
             </a:fld>
             <a:endParaRPr lang="en-IN"/>
           </a:p>
@@ -1364,7 +1364,7 @@
           <a:p>
             <a:fld id="{C1446CC2-EC25-4877-9324-8E6B392E2242}" type="datetimeFigureOut">
               <a:rPr lang="en-IN" smtClean="0"/>
-              <a:t>07-08-2022</a:t>
+              <a:t>02-09-2022</a:t>
             </a:fld>
             <a:endParaRPr lang="en-IN"/>
           </a:p>
@@ -1711,7 +1711,7 @@
           <a:p>
             <a:fld id="{C1446CC2-EC25-4877-9324-8E6B392E2242}" type="datetimeFigureOut">
               <a:rPr lang="en-IN" smtClean="0"/>
-              <a:t>07-08-2022</a:t>
+              <a:t>02-09-2022</a:t>
             </a:fld>
             <a:endParaRPr lang="en-IN"/>
           </a:p>
@@ -2085,7 +2085,7 @@
           <a:p>
             <a:fld id="{C1446CC2-EC25-4877-9324-8E6B392E2242}" type="datetimeFigureOut">
               <a:rPr lang="en-IN" smtClean="0"/>
-              <a:t>07-08-2022</a:t>
+              <a:t>02-09-2022</a:t>
             </a:fld>
             <a:endParaRPr lang="en-IN"/>
           </a:p>
@@ -2555,7 +2555,7 @@
           <a:p>
             <a:fld id="{C1446CC2-EC25-4877-9324-8E6B392E2242}" type="datetimeFigureOut">
               <a:rPr lang="en-IN" smtClean="0"/>
-              <a:t>07-08-2022</a:t>
+              <a:t>02-09-2022</a:t>
             </a:fld>
             <a:endParaRPr lang="en-IN"/>
           </a:p>
@@ -2760,7 +2760,7 @@
           <a:p>
             <a:fld id="{C1446CC2-EC25-4877-9324-8E6B392E2242}" type="datetimeFigureOut">
               <a:rPr lang="en-IN" smtClean="0"/>
-              <a:t>07-08-2022</a:t>
+              <a:t>02-09-2022</a:t>
             </a:fld>
             <a:endParaRPr lang="en-IN"/>
           </a:p>
@@ -2971,7 +2971,7 @@
           <a:p>
             <a:fld id="{C1446CC2-EC25-4877-9324-8E6B392E2242}" type="datetimeFigureOut">
               <a:rPr lang="en-IN" smtClean="0"/>
-              <a:t>07-08-2022</a:t>
+              <a:t>02-09-2022</a:t>
             </a:fld>
             <a:endParaRPr lang="en-IN"/>
           </a:p>
@@ -3203,7 +3203,7 @@
           <a:p>
             <a:fld id="{C1446CC2-EC25-4877-9324-8E6B392E2242}" type="datetimeFigureOut">
               <a:rPr lang="en-IN" smtClean="0"/>
-              <a:t>07-08-2022</a:t>
+              <a:t>02-09-2022</a:t>
             </a:fld>
             <a:endParaRPr lang="en-IN"/>
           </a:p>
@@ -3451,7 +3451,7 @@
           <a:p>
             <a:fld id="{C1446CC2-EC25-4877-9324-8E6B392E2242}" type="datetimeFigureOut">
               <a:rPr lang="en-IN" smtClean="0"/>
-              <a:t>07-08-2022</a:t>
+              <a:t>02-09-2022</a:t>
             </a:fld>
             <a:endParaRPr lang="en-IN"/>
           </a:p>
@@ -3749,7 +3749,7 @@
           <a:p>
             <a:fld id="{C1446CC2-EC25-4877-9324-8E6B392E2242}" type="datetimeFigureOut">
               <a:rPr lang="en-IN" smtClean="0"/>
-              <a:t>07-08-2022</a:t>
+              <a:t>02-09-2022</a:t>
             </a:fld>
             <a:endParaRPr lang="en-IN"/>
           </a:p>
@@ -4143,7 +4143,7 @@
           <a:p>
             <a:fld id="{C1446CC2-EC25-4877-9324-8E6B392E2242}" type="datetimeFigureOut">
               <a:rPr lang="en-IN" smtClean="0"/>
-              <a:t>07-08-2022</a:t>
+              <a:t>02-09-2022</a:t>
             </a:fld>
             <a:endParaRPr lang="en-IN"/>
           </a:p>
@@ -4292,7 +4292,7 @@
           <a:p>
             <a:fld id="{C1446CC2-EC25-4877-9324-8E6B392E2242}" type="datetimeFigureOut">
               <a:rPr lang="en-IN" smtClean="0"/>
-              <a:t>07-08-2022</a:t>
+              <a:t>02-09-2022</a:t>
             </a:fld>
             <a:endParaRPr lang="en-IN"/>
           </a:p>
@@ -4418,7 +4418,7 @@
           <a:p>
             <a:fld id="{C1446CC2-EC25-4877-9324-8E6B392E2242}" type="datetimeFigureOut">
               <a:rPr lang="en-IN" smtClean="0"/>
-              <a:t>07-08-2022</a:t>
+              <a:t>02-09-2022</a:t>
             </a:fld>
             <a:endParaRPr lang="en-IN"/>
           </a:p>
@@ -4673,7 +4673,7 @@
           <a:p>
             <a:fld id="{C1446CC2-EC25-4877-9324-8E6B392E2242}" type="datetimeFigureOut">
               <a:rPr lang="en-IN" smtClean="0"/>
-              <a:t>07-08-2022</a:t>
+              <a:t>02-09-2022</a:t>
             </a:fld>
             <a:endParaRPr lang="en-IN"/>
           </a:p>
@@ -4988,7 +4988,7 @@
           <a:p>
             <a:fld id="{C1446CC2-EC25-4877-9324-8E6B392E2242}" type="datetimeFigureOut">
               <a:rPr lang="en-IN" smtClean="0"/>
-              <a:t>07-08-2022</a:t>
+              <a:t>02-09-2022</a:t>
             </a:fld>
             <a:endParaRPr lang="en-IN"/>
           </a:p>
@@ -5339,7 +5339,7 @@
           <a:p>
             <a:fld id="{C1446CC2-EC25-4877-9324-8E6B392E2242}" type="datetimeFigureOut">
               <a:rPr lang="en-IN" smtClean="0"/>
-              <a:t>07-08-2022</a:t>
+              <a:t>02-09-2022</a:t>
             </a:fld>
             <a:endParaRPr lang="en-IN"/>
           </a:p>
@@ -5920,16 +5920,6 @@
               </a:rPr>
               <a:t>Database Management Systems</a:t>
             </a:r>
-            <a:r>
-              <a:rPr lang="en-IN" dirty="0">
-                <a:solidFill>
-                  <a:schemeClr val="accent1">
-                    <a:lumMod val="75000"/>
-                  </a:schemeClr>
-                </a:solidFill>
-              </a:rPr>
-              <a:t/>
-            </a:r>
             <a:br>
               <a:rPr lang="en-IN" dirty="0">
                 <a:solidFill>
@@ -6081,7 +6071,7 @@
           </a:p>
           <a:p>
             <a:r>
-              <a:rPr lang="en-US" sz="2700" b="1" dirty="0" smtClean="0">
+              <a:rPr lang="en-US" sz="2700" b="1" dirty="0">
                 <a:solidFill>
                   <a:schemeClr val="accent3">
                     <a:lumMod val="75000"/>
@@ -6093,7 +6083,7 @@
               <a:t>Mr. </a:t>
             </a:r>
             <a:r>
-              <a:rPr lang="en-US" sz="2700" b="1" dirty="0" err="1" smtClean="0">
+              <a:rPr lang="en-US" sz="2700" b="1" dirty="0" err="1">
                 <a:solidFill>
                   <a:schemeClr val="accent3">
                     <a:lumMod val="75000"/>
@@ -6105,7 +6095,7 @@
               <a:t>Sumit</a:t>
             </a:r>
             <a:r>
-              <a:rPr lang="en-US" sz="2700" b="1" dirty="0" smtClean="0">
+              <a:rPr lang="en-US" sz="2700" b="1" dirty="0">
                 <a:solidFill>
                   <a:schemeClr val="accent3">
                     <a:lumMod val="75000"/>
@@ -6117,7 +6107,7 @@
               <a:t> </a:t>
             </a:r>
             <a:r>
-              <a:rPr lang="en-US" sz="2700" b="1" dirty="0" err="1" smtClean="0">
+              <a:rPr lang="en-US" sz="2700" b="1" dirty="0" err="1">
                 <a:solidFill>
                   <a:schemeClr val="accent3">
                     <a:lumMod val="75000"/>
@@ -6235,19 +6225,8 @@
                 <a:latin typeface="Calibri" panose="020F0502020204030204" pitchFamily="34" charset="0"/>
                 <a:cs typeface="Calibri" panose="020F0502020204030204" pitchFamily="34" charset="0"/>
               </a:rPr>
-              <a:t>B.JAYA SAI REDDY     </a:t>
-            </a:r>
-            <a:r>
-              <a:rPr lang="en-US" sz="1800" dirty="0" smtClean="0">
-                <a:latin typeface="Calibri" panose="020F0502020204030204" pitchFamily="34" charset="0"/>
-                <a:cs typeface="Calibri" panose="020F0502020204030204" pitchFamily="34" charset="0"/>
-              </a:rPr>
-              <a:t>  2110030091 – prepared class diagram</a:t>
-            </a:r>
-            <a:endParaRPr lang="en-US" sz="1800" dirty="0">
-              <a:latin typeface="Calibri" panose="020F0502020204030204" pitchFamily="34" charset="0"/>
-              <a:cs typeface="Calibri" panose="020F0502020204030204" pitchFamily="34" charset="0"/>
-            </a:endParaRPr>
+              <a:t>B.JAYA SAI REDDY       2110030091 – prepared class diagram</a:t>
+            </a:r>
           </a:p>
           <a:p>
             <a:pPr marL="0" indent="0">
@@ -6258,52 +6237,27 @@
                 <a:latin typeface="Calibri" panose="020F0502020204030204" pitchFamily="34" charset="0"/>
                 <a:cs typeface="Calibri" panose="020F0502020204030204" pitchFamily="34" charset="0"/>
               </a:rPr>
-              <a:t>J.SAI VAMSHI               </a:t>
-            </a:r>
-            <a:r>
-              <a:rPr lang="en-US" sz="1800" dirty="0" smtClean="0">
-                <a:latin typeface="Calibri" panose="020F0502020204030204" pitchFamily="34" charset="0"/>
-                <a:cs typeface="Calibri" panose="020F0502020204030204" pitchFamily="34" charset="0"/>
-              </a:rPr>
-              <a:t>2110030296 – Prepared PPT</a:t>
+              <a:t>J.SAI VAMSHI               2110030296 – Prepared PPT</a:t>
             </a:r>
           </a:p>
           <a:p>
             <a:pPr marL="0" indent="0">
               <a:buNone/>
             </a:pPr>
-            <a:r>
-              <a:rPr lang="en-US" sz="1800" dirty="0" smtClean="0">
-                <a:latin typeface="Calibri" panose="020F0502020204030204" pitchFamily="34" charset="0"/>
-                <a:cs typeface="Calibri" panose="020F0502020204030204" pitchFamily="34" charset="0"/>
-              </a:rPr>
-              <a:t>ROHITH </a:t>
-            </a:r>
             <a:r>
               <a:rPr lang="en-US" sz="1800" dirty="0">
                 <a:latin typeface="Calibri" panose="020F0502020204030204" pitchFamily="34" charset="0"/>
                 <a:cs typeface="Calibri" panose="020F0502020204030204" pitchFamily="34" charset="0"/>
               </a:rPr>
-              <a:t>REDDY       </a:t>
-            </a:r>
-            <a:r>
-              <a:rPr lang="en-US" sz="1800" dirty="0" smtClean="0">
-                <a:latin typeface="Calibri" panose="020F0502020204030204" pitchFamily="34" charset="0"/>
-                <a:cs typeface="Calibri" panose="020F0502020204030204" pitchFamily="34" charset="0"/>
-              </a:rPr>
-              <a:t>     2110030201 – ER diagram</a:t>
-            </a:r>
-            <a:endParaRPr lang="en-US" sz="1800" dirty="0">
-              <a:latin typeface="Calibri" panose="020F0502020204030204" pitchFamily="34" charset="0"/>
-              <a:cs typeface="Calibri" panose="020F0502020204030204" pitchFamily="34" charset="0"/>
-            </a:endParaRPr>
+              <a:t>ROHITH REDDY            2110030201 – ER diagram</a:t>
+            </a:r>
           </a:p>
           <a:p>
             <a:pPr marL="0" indent="0">
               <a:buNone/>
             </a:pPr>
             <a:r>
-              <a:rPr lang="en-US" sz="1800" dirty="0" smtClean="0">
+              <a:rPr lang="en-US" sz="1800" dirty="0">
                 <a:latin typeface="Calibri" panose="020F0502020204030204" pitchFamily="34" charset="0"/>
                 <a:cs typeface="Calibri" panose="020F0502020204030204" pitchFamily="34" charset="0"/>
               </a:rPr>
@@ -6720,7 +6674,7 @@
               <a:buChar char="§"/>
             </a:pPr>
             <a:r>
-              <a:rPr lang="en-US" sz="2000" dirty="0" smtClean="0">
+              <a:rPr lang="en-US" sz="2000" dirty="0">
                 <a:latin typeface="Calibri" panose="020F0502020204030204" pitchFamily="34" charset="0"/>
                 <a:cs typeface="Calibri" panose="020F0502020204030204" pitchFamily="34" charset="0"/>
               </a:rPr>
@@ -6733,13 +6687,13 @@
               <a:buChar char="§"/>
             </a:pPr>
             <a:r>
-              <a:rPr lang="en-US" sz="2000" dirty="0" err="1" smtClean="0">
+              <a:rPr lang="en-US" sz="2000" dirty="0" err="1">
                 <a:latin typeface="Calibri" panose="020F0502020204030204" pitchFamily="34" charset="0"/>
                 <a:cs typeface="Calibri" panose="020F0502020204030204" pitchFamily="34" charset="0"/>
               </a:rPr>
               <a:t>StarUML</a:t>
             </a:r>
-            <a:endParaRPr lang="en-US" sz="2000" dirty="0" smtClean="0">
+            <a:endParaRPr lang="en-US" sz="2000" dirty="0">
               <a:latin typeface="Calibri" panose="020F0502020204030204" pitchFamily="34" charset="0"/>
               <a:cs typeface="Calibri" panose="020F0502020204030204" pitchFamily="34" charset="0"/>
             </a:endParaRPr>
@@ -6750,13 +6704,13 @@
               <a:buChar char="§"/>
             </a:pPr>
             <a:r>
-              <a:rPr lang="en-US" sz="2000" dirty="0" err="1" smtClean="0">
+              <a:rPr lang="en-US" sz="2000" dirty="0" err="1">
                 <a:latin typeface="Calibri" panose="020F0502020204030204" pitchFamily="34" charset="0"/>
                 <a:cs typeface="Calibri" panose="020F0502020204030204" pitchFamily="34" charset="0"/>
               </a:rPr>
               <a:t>Pycharm</a:t>
             </a:r>
-            <a:endParaRPr lang="en-US" sz="2000" dirty="0" smtClean="0">
+            <a:endParaRPr lang="en-US" sz="2000" dirty="0">
               <a:latin typeface="Calibri" panose="020F0502020204030204" pitchFamily="34" charset="0"/>
               <a:cs typeface="Calibri" panose="020F0502020204030204" pitchFamily="34" charset="0"/>
             </a:endParaRPr>
@@ -6767,13 +6721,13 @@
               <a:buChar char="§"/>
             </a:pPr>
             <a:r>
-              <a:rPr lang="en-US" sz="2000" smtClean="0">
+              <a:rPr lang="en-US" sz="2000">
                 <a:latin typeface="Calibri" panose="020F0502020204030204" pitchFamily="34" charset="0"/>
                 <a:cs typeface="Calibri" panose="020F0502020204030204" pitchFamily="34" charset="0"/>
               </a:rPr>
               <a:t>PythonTkinter</a:t>
             </a:r>
-            <a:endParaRPr lang="en-US" sz="2000" dirty="0" smtClean="0">
+            <a:endParaRPr lang="en-US" sz="2000" dirty="0">
               <a:latin typeface="Calibri" panose="020F0502020204030204" pitchFamily="34" charset="0"/>
               <a:cs typeface="Calibri" panose="020F0502020204030204" pitchFamily="34" charset="0"/>
             </a:endParaRPr>
@@ -6782,7 +6736,7 @@
             <a:pPr marL="0" indent="0">
               <a:buNone/>
             </a:pPr>
-            <a:endParaRPr lang="en-US" sz="2000" dirty="0" smtClean="0">
+            <a:endParaRPr lang="en-US" sz="2000" dirty="0">
               <a:latin typeface="Calibri" panose="020F0502020204030204" pitchFamily="34" charset="0"/>
               <a:cs typeface="Calibri" panose="020F0502020204030204" pitchFamily="34" charset="0"/>
             </a:endParaRPr>
@@ -7317,10 +7271,10 @@
       </p:sp>
       <p:pic>
         <p:nvPicPr>
-          <p:cNvPr id="4" name="Picture 3">
+          <p:cNvPr id="7" name="Picture 6">
             <a:extLst>
               <a:ext uri="{FF2B5EF4-FFF2-40B4-BE49-F238E27FC236}">
-                <a16:creationId xmlns:a16="http://schemas.microsoft.com/office/drawing/2014/main" id="{6031B9D2-9FB1-8C13-15C3-A39406E70C86}"/>
+                <a16:creationId xmlns:a16="http://schemas.microsoft.com/office/drawing/2014/main" id="{A522CA6C-DEDF-C4CC-6790-BF50082437F7}"/>
               </a:ext>
             </a:extLst>
           </p:cNvPr>
@@ -7329,15 +7283,22 @@
           </p:cNvPicPr>
           <p:nvPr/>
         </p:nvPicPr>
-        <p:blipFill rotWithShape="1">
-          <a:blip r:embed="rId2"/>
-          <a:srcRect l="8380" t="12808" r="32379" b="12284"/>
-          <a:stretch/>
+        <p:blipFill>
+          <a:blip r:embed="rId2">
+            <a:extLst>
+              <a:ext uri="{28A0092B-C50C-407E-A947-70E740481C1C}">
+                <a14:useLocalDpi xmlns:a14="http://schemas.microsoft.com/office/drawing/2010/main" val="0"/>
+              </a:ext>
+            </a:extLst>
+          </a:blip>
+          <a:stretch>
+            <a:fillRect/>
+          </a:stretch>
         </p:blipFill>
         <p:spPr>
           <a:xfrm>
-            <a:off x="2460396" y="1414022"/>
-            <a:ext cx="7315200" cy="4840664"/>
+            <a:off x="1936864" y="1438101"/>
+            <a:ext cx="8088285" cy="4605251"/>
           </a:xfrm>
           <a:prstGeom prst="rect">
             <a:avLst/>
